--- a/Applied Cognitive Diagnostics/2020/Medición-PobrezaSeguridad.pptx
+++ b/Applied Cognitive Diagnostics/2020/Medición-PobrezaSeguridad.pptx
@@ -24,13 +24,9 @@
     <p:sldId id="274" r:id="rId18"/>
     <p:sldId id="263" r:id="rId19"/>
     <p:sldId id="275" r:id="rId20"/>
-    <p:sldId id="276" r:id="rId21"/>
-    <p:sldId id="277" r:id="rId22"/>
-    <p:sldId id="284" r:id="rId23"/>
-    <p:sldId id="285" r:id="rId24"/>
-    <p:sldId id="286" r:id="rId25"/>
-    <p:sldId id="283" r:id="rId26"/>
-    <p:sldId id="278" r:id="rId27"/>
+    <p:sldId id="284" r:id="rId21"/>
+    <p:sldId id="285" r:id="rId22"/>
+    <p:sldId id="286" r:id="rId23"/>
   </p:sldIdLst>
   <p:sldSz cx="12192000" cy="6858000"/>
   <p:notesSz cx="6858000" cy="9144000"/>
@@ -129,6 +125,11 @@
       </a:defRPr>
     </a:lvl9pPr>
   </p:defaultTextStyle>
+  <p:extLst>
+    <p:ext uri="{EFAFB233-063F-42B5-8137-9DF3F51BA10A}">
+      <p15:sldGuideLst xmlns:p15="http://schemas.microsoft.com/office/powerpoint/2012/main"/>
+    </p:ext>
+  </p:extLst>
 </p:presentation>
 </file>
 
@@ -281,7 +282,7 @@
           <a:p>
             <a:fld id="{1267EFBE-817E-41D2-9C14-CC2226F0FADC}" type="datetimeFigureOut">
               <a:rPr lang="es-MX" smtClean="0"/>
-              <a:t>15/05/2020</a:t>
+              <a:t>16/05/2020</a:t>
             </a:fld>
             <a:endParaRPr lang="es-MX"/>
           </a:p>
@@ -481,7 +482,7 @@
           <a:p>
             <a:fld id="{1267EFBE-817E-41D2-9C14-CC2226F0FADC}" type="datetimeFigureOut">
               <a:rPr lang="es-MX" smtClean="0"/>
-              <a:t>15/05/2020</a:t>
+              <a:t>16/05/2020</a:t>
             </a:fld>
             <a:endParaRPr lang="es-MX"/>
           </a:p>
@@ -691,7 +692,7 @@
           <a:p>
             <a:fld id="{1267EFBE-817E-41D2-9C14-CC2226F0FADC}" type="datetimeFigureOut">
               <a:rPr lang="es-MX" smtClean="0"/>
-              <a:t>15/05/2020</a:t>
+              <a:t>16/05/2020</a:t>
             </a:fld>
             <a:endParaRPr lang="es-MX"/>
           </a:p>
@@ -891,7 +892,7 @@
           <a:p>
             <a:fld id="{1267EFBE-817E-41D2-9C14-CC2226F0FADC}" type="datetimeFigureOut">
               <a:rPr lang="es-MX" smtClean="0"/>
-              <a:t>15/05/2020</a:t>
+              <a:t>16/05/2020</a:t>
             </a:fld>
             <a:endParaRPr lang="es-MX"/>
           </a:p>
@@ -1167,7 +1168,7 @@
           <a:p>
             <a:fld id="{1267EFBE-817E-41D2-9C14-CC2226F0FADC}" type="datetimeFigureOut">
               <a:rPr lang="es-MX" smtClean="0"/>
-              <a:t>15/05/2020</a:t>
+              <a:t>16/05/2020</a:t>
             </a:fld>
             <a:endParaRPr lang="es-MX"/>
           </a:p>
@@ -1435,7 +1436,7 @@
           <a:p>
             <a:fld id="{1267EFBE-817E-41D2-9C14-CC2226F0FADC}" type="datetimeFigureOut">
               <a:rPr lang="es-MX" smtClean="0"/>
-              <a:t>15/05/2020</a:t>
+              <a:t>16/05/2020</a:t>
             </a:fld>
             <a:endParaRPr lang="es-MX"/>
           </a:p>
@@ -1850,7 +1851,7 @@
           <a:p>
             <a:fld id="{1267EFBE-817E-41D2-9C14-CC2226F0FADC}" type="datetimeFigureOut">
               <a:rPr lang="es-MX" smtClean="0"/>
-              <a:t>15/05/2020</a:t>
+              <a:t>16/05/2020</a:t>
             </a:fld>
             <a:endParaRPr lang="es-MX"/>
           </a:p>
@@ -1992,7 +1993,7 @@
           <a:p>
             <a:fld id="{1267EFBE-817E-41D2-9C14-CC2226F0FADC}" type="datetimeFigureOut">
               <a:rPr lang="es-MX" smtClean="0"/>
-              <a:t>15/05/2020</a:t>
+              <a:t>16/05/2020</a:t>
             </a:fld>
             <a:endParaRPr lang="es-MX"/>
           </a:p>
@@ -2105,7 +2106,7 @@
           <a:p>
             <a:fld id="{1267EFBE-817E-41D2-9C14-CC2226F0FADC}" type="datetimeFigureOut">
               <a:rPr lang="es-MX" smtClean="0"/>
-              <a:t>15/05/2020</a:t>
+              <a:t>16/05/2020</a:t>
             </a:fld>
             <a:endParaRPr lang="es-MX"/>
           </a:p>
@@ -2418,7 +2419,7 @@
           <a:p>
             <a:fld id="{1267EFBE-817E-41D2-9C14-CC2226F0FADC}" type="datetimeFigureOut">
               <a:rPr lang="es-MX" smtClean="0"/>
-              <a:t>15/05/2020</a:t>
+              <a:t>16/05/2020</a:t>
             </a:fld>
             <a:endParaRPr lang="es-MX"/>
           </a:p>
@@ -2707,7 +2708,7 @@
           <a:p>
             <a:fld id="{1267EFBE-817E-41D2-9C14-CC2226F0FADC}" type="datetimeFigureOut">
               <a:rPr lang="es-MX" smtClean="0"/>
-              <a:t>15/05/2020</a:t>
+              <a:t>16/05/2020</a:t>
             </a:fld>
             <a:endParaRPr lang="es-MX"/>
           </a:p>
@@ -2950,7 +2951,7 @@
           <a:p>
             <a:fld id="{1267EFBE-817E-41D2-9C14-CC2226F0FADC}" type="datetimeFigureOut">
               <a:rPr lang="es-MX" smtClean="0"/>
-              <a:t>15/05/2020</a:t>
+              <a:t>16/05/2020</a:t>
             </a:fld>
             <a:endParaRPr lang="es-MX"/>
           </a:p>
@@ -7721,7 +7722,7 @@
           <p:cNvPr id="2" name="Título 1">
             <a:extLst>
               <a:ext uri="{FF2B5EF4-FFF2-40B4-BE49-F238E27FC236}">
-                <a16:creationId xmlns:a16="http://schemas.microsoft.com/office/drawing/2014/main" id="{0D806684-BAD9-43BF-8DEB-6A8231A1D485}"/>
+                <a16:creationId xmlns:a16="http://schemas.microsoft.com/office/drawing/2014/main" id="{3BB37683-9155-4477-B1D7-A0DBB900F6AB}"/>
               </a:ext>
             </a:extLst>
           </p:cNvPr>
@@ -7749,7 +7750,7 @@
           <p:cNvPr id="3" name="Marcador de contenido 2">
             <a:extLst>
               <a:ext uri="{FF2B5EF4-FFF2-40B4-BE49-F238E27FC236}">
-                <a16:creationId xmlns:a16="http://schemas.microsoft.com/office/drawing/2014/main" id="{82ECE729-AB4F-4BF9-A7BD-EA8B8B4FB570}"/>
+                <a16:creationId xmlns:a16="http://schemas.microsoft.com/office/drawing/2014/main" id="{72C9442E-D9EB-424A-8862-529CF4B4DB52}"/>
               </a:ext>
             </a:extLst>
           </p:cNvPr>
@@ -7762,65 +7763,68 @@
         </p:nvSpPr>
         <p:spPr>
           <a:xfrm>
-            <a:off x="251604" y="1027906"/>
-            <a:ext cx="10515600" cy="4351338"/>
+            <a:off x="370937" y="940279"/>
+            <a:ext cx="11662912" cy="5236684"/>
           </a:xfrm>
         </p:spPr>
         <p:txBody>
-          <a:bodyPr/>
-          <a:lstStyle/>
-          <a:p>
-            <a:pPr marL="0" indent="0">
-              <a:buNone/>
-            </a:pPr>
-            <a:r>
-              <a:rPr lang="es-MX" b="1" dirty="0"/>
-              <a:t>2. Variables relacionadas con factores de riesgo  </a:t>
-            </a:r>
-          </a:p>
-        </p:txBody>
-      </p:sp>
-      <p:pic>
-        <p:nvPicPr>
-          <p:cNvPr id="4" name="Imagen 3">
-            <a:extLst>
-              <a:ext uri="{FF2B5EF4-FFF2-40B4-BE49-F238E27FC236}">
-                <a16:creationId xmlns:a16="http://schemas.microsoft.com/office/drawing/2014/main" id="{6417C5E6-6774-44B1-BB37-8E1338836294}"/>
-              </a:ext>
-            </a:extLst>
-          </p:cNvPr>
-          <p:cNvPicPr>
-            <a:picLocks noChangeAspect="1"/>
-          </p:cNvPicPr>
-          <p:nvPr/>
-        </p:nvPicPr>
-        <p:blipFill>
-          <a:blip r:embed="rId2"/>
-          <a:stretch>
-            <a:fillRect/>
-          </a:stretch>
-        </p:blipFill>
-        <p:spPr>
-          <a:xfrm>
-            <a:off x="436820" y="1672136"/>
-            <a:ext cx="3006746" cy="2982141"/>
-          </a:xfrm>
-          <a:prstGeom prst="rect">
-            <a:avLst/>
-          </a:prstGeom>
-          <a:ln>
-            <a:solidFill>
-              <a:schemeClr val="tx1"/>
-            </a:solidFill>
-          </a:ln>
-        </p:spPr>
-      </p:pic>
+          <a:bodyPr>
+            <a:normAutofit fontScale="92500" lnSpcReduction="10000"/>
+          </a:bodyPr>
+          <a:lstStyle/>
+          <a:p>
+            <a:endParaRPr lang="es-MX" dirty="0"/>
+          </a:p>
+          <a:p>
+            <a:r>
+              <a:rPr lang="es-MX" dirty="0"/>
+              <a:t>Encuesta Nacional de Victimización y Percepción sobre Seguridad Pública (ENVIPE) – Datos del 2019</a:t>
+            </a:r>
+          </a:p>
+          <a:p>
+            <a:endParaRPr lang="es-MX" dirty="0"/>
+          </a:p>
+          <a:p>
+            <a:r>
+              <a:rPr lang="es-MX" dirty="0"/>
+              <a:t>Censo Nacional de Impartición de Justicia Estatal – Datos del 2019</a:t>
+            </a:r>
+          </a:p>
+          <a:p>
+            <a:endParaRPr lang="es-MX" dirty="0"/>
+          </a:p>
+          <a:p>
+            <a:r>
+              <a:rPr lang="es-MX" dirty="0"/>
+              <a:t>Censo Nacional de Procuración de Justicia Estatal – Datos del 2019</a:t>
+            </a:r>
+          </a:p>
+          <a:p>
+            <a:endParaRPr lang="es-MX" dirty="0"/>
+          </a:p>
+          <a:p>
+            <a:r>
+              <a:rPr lang="es-MX" dirty="0"/>
+              <a:t>Censo Nacional de Gobierno, Seguridad Pública y Sistema Penitenciario Estatales – Datos del 2019</a:t>
+            </a:r>
+          </a:p>
+          <a:p>
+            <a:endParaRPr lang="es-MX" dirty="0"/>
+          </a:p>
+          <a:p>
+            <a:r>
+              <a:rPr lang="es-MX" dirty="0"/>
+              <a:t>Estadística de accidentes de tránsito terrestre en zonas urbanas y suburbanas</a:t>
+            </a:r>
+          </a:p>
+        </p:txBody>
+      </p:sp>
       <p:sp>
         <p:nvSpPr>
           <p:cNvPr id="5" name="Título 1">
             <a:extLst>
               <a:ext uri="{FF2B5EF4-FFF2-40B4-BE49-F238E27FC236}">
-                <a16:creationId xmlns:a16="http://schemas.microsoft.com/office/drawing/2014/main" id="{200D230F-18DD-406B-A7D2-D821E4BE0786}"/>
+                <a16:creationId xmlns:a16="http://schemas.microsoft.com/office/drawing/2014/main" id="{010F441E-1666-4C99-93AF-ACF116BCD45B}"/>
               </a:ext>
             </a:extLst>
           </p:cNvPr>
@@ -7865,6 +7869,7 @@
             </a:lvl1pPr>
           </a:lstStyle>
           <a:p>
+            <a:pPr algn="r"/>
             <a:r>
               <a:rPr lang="es-MX" b="1" dirty="0">
                 <a:solidFill>
@@ -7878,50 +7883,15 @@
                   </a:outerShdw>
                 </a:effectLst>
               </a:rPr>
-              <a:t>Variables medidas en la EIGH de interés particular</a:t>
-            </a:r>
-          </a:p>
-        </p:txBody>
-      </p:sp>
-      <p:pic>
-        <p:nvPicPr>
-          <p:cNvPr id="6" name="Imagen 5">
-            <a:extLst>
-              <a:ext uri="{FF2B5EF4-FFF2-40B4-BE49-F238E27FC236}">
-                <a16:creationId xmlns:a16="http://schemas.microsoft.com/office/drawing/2014/main" id="{E91E6172-B869-4FB4-B205-EF1028B8F4E6}"/>
-              </a:ext>
-            </a:extLst>
-          </p:cNvPr>
-          <p:cNvPicPr>
-            <a:picLocks noChangeAspect="1"/>
-          </p:cNvPicPr>
-          <p:nvPr/>
-        </p:nvPicPr>
-        <p:blipFill>
-          <a:blip r:embed="rId3"/>
-          <a:stretch>
-            <a:fillRect/>
-          </a:stretch>
-        </p:blipFill>
-        <p:spPr>
-          <a:xfrm>
-            <a:off x="3862666" y="1690688"/>
-            <a:ext cx="3709169" cy="2549299"/>
-          </a:xfrm>
-          <a:prstGeom prst="rect">
-            <a:avLst/>
-          </a:prstGeom>
-          <a:ln>
-            <a:solidFill>
-              <a:schemeClr val="tx1"/>
-            </a:solidFill>
-          </a:ln>
-        </p:spPr>
-      </p:pic>
+              <a:t>Otras fuentes</a:t>
+            </a:r>
+          </a:p>
+        </p:txBody>
+      </p:sp>
     </p:spTree>
     <p:extLst>
       <p:ext uri="{BB962C8B-B14F-4D97-AF65-F5344CB8AC3E}">
-        <p14:creationId xmlns:p14="http://schemas.microsoft.com/office/powerpoint/2010/main" val="769296542"/>
+        <p14:creationId xmlns:p14="http://schemas.microsoft.com/office/powerpoint/2010/main" val="2137478969"/>
       </p:ext>
     </p:extLst>
   </p:cSld>
@@ -7953,7 +7923,7 @@
           <p:cNvPr id="2" name="Título 1">
             <a:extLst>
               <a:ext uri="{FF2B5EF4-FFF2-40B4-BE49-F238E27FC236}">
-                <a16:creationId xmlns:a16="http://schemas.microsoft.com/office/drawing/2014/main" id="{3AF59986-E976-4E94-A097-283EB2AE78FE}"/>
+                <a16:creationId xmlns:a16="http://schemas.microsoft.com/office/drawing/2014/main" id="{3BB37683-9155-4477-B1D7-A0DBB900F6AB}"/>
               </a:ext>
             </a:extLst>
           </p:cNvPr>
@@ -7969,7 +7939,10 @@
           <a:bodyPr/>
           <a:lstStyle/>
           <a:p>
-            <a:endParaRPr lang="es-MX"/>
+            <a:br>
+              <a:rPr lang="es-MX" dirty="0"/>
+            </a:br>
+            <a:endParaRPr lang="es-MX" dirty="0"/>
           </a:p>
         </p:txBody>
       </p:sp>
@@ -7978,7 +7951,7 @@
           <p:cNvPr id="3" name="Marcador de contenido 2">
             <a:extLst>
               <a:ext uri="{FF2B5EF4-FFF2-40B4-BE49-F238E27FC236}">
-                <a16:creationId xmlns:a16="http://schemas.microsoft.com/office/drawing/2014/main" id="{FDC65338-4F5C-4B39-B485-742281B2E09F}"/>
+                <a16:creationId xmlns:a16="http://schemas.microsoft.com/office/drawing/2014/main" id="{72C9442E-D9EB-424A-8862-529CF4B4DB52}"/>
               </a:ext>
             </a:extLst>
           </p:cNvPr>
@@ -7989,21 +7962,115 @@
             <p:ph idx="1"/>
           </p:nvPr>
         </p:nvSpPr>
-        <p:spPr/>
-        <p:txBody>
-          <a:bodyPr/>
-          <a:lstStyle/>
-          <a:p>
-            <a:endParaRPr lang="es-MX"/>
-          </a:p>
-        </p:txBody>
-      </p:sp>
-      <p:sp>
-        <p:nvSpPr>
-          <p:cNvPr id="7" name="Título 1">
-            <a:extLst>
-              <a:ext uri="{FF2B5EF4-FFF2-40B4-BE49-F238E27FC236}">
-                <a16:creationId xmlns:a16="http://schemas.microsoft.com/office/drawing/2014/main" id="{C7E3D534-E32E-4376-9C5E-9E2906A9B3A5}"/>
+        <p:spPr>
+          <a:xfrm>
+            <a:off x="181156" y="1388853"/>
+            <a:ext cx="11662912" cy="5236684"/>
+          </a:xfrm>
+        </p:spPr>
+        <p:txBody>
+          <a:bodyPr>
+            <a:normAutofit/>
+          </a:bodyPr>
+          <a:lstStyle/>
+          <a:p>
+            <a:r>
+              <a:rPr lang="es-MX" sz="1500" dirty="0"/>
+              <a:t>Victimización</a:t>
+            </a:r>
+          </a:p>
+          <a:p>
+            <a:r>
+              <a:rPr lang="es-MX" sz="1500" dirty="0"/>
+              <a:t>Incidencia delictiva</a:t>
+            </a:r>
+          </a:p>
+          <a:p>
+            <a:r>
+              <a:rPr lang="es-MX" sz="1500" dirty="0"/>
+              <a:t>Delitos registrados</a:t>
+            </a:r>
+          </a:p>
+          <a:p>
+            <a:r>
+              <a:rPr lang="es-MX" sz="1500" dirty="0"/>
+              <a:t>Victimas, inculpados y sentenciados</a:t>
+            </a:r>
+          </a:p>
+          <a:p>
+            <a:r>
+              <a:rPr lang="es-MX" sz="1500" dirty="0"/>
+              <a:t>Intervención de la policía</a:t>
+            </a:r>
+          </a:p>
+          <a:p>
+            <a:r>
+              <a:rPr lang="es-MX" sz="1500" dirty="0"/>
+              <a:t>Carpetas de investigación</a:t>
+            </a:r>
+          </a:p>
+          <a:p>
+            <a:r>
+              <a:rPr lang="es-MX" sz="1500" dirty="0"/>
+              <a:t>Expedientes y asuntos judiciales</a:t>
+            </a:r>
+          </a:p>
+          <a:p>
+            <a:r>
+              <a:rPr lang="es-MX" sz="1500" dirty="0"/>
+              <a:t>Población reclusa y adolescentes infractores</a:t>
+            </a:r>
+          </a:p>
+          <a:p>
+            <a:r>
+              <a:rPr lang="es-MX" sz="1500" dirty="0"/>
+              <a:t>RH en instituciones de seguridad pública y justicia</a:t>
+            </a:r>
+          </a:p>
+          <a:p>
+            <a:r>
+              <a:rPr lang="es-MX" sz="1500" dirty="0"/>
+              <a:t>Infraestructura de instituciones de seguridad pública y justicia</a:t>
+            </a:r>
+          </a:p>
+          <a:p>
+            <a:r>
+              <a:rPr lang="es-MX" sz="1500" dirty="0"/>
+              <a:t>Percepción sobre seguridad pública</a:t>
+            </a:r>
+          </a:p>
+          <a:p>
+            <a:r>
+              <a:rPr lang="es-MX" sz="1500" dirty="0"/>
+              <a:t>Percepción sobre el desempeño de las autoridades de seguridad pública</a:t>
+            </a:r>
+          </a:p>
+          <a:p>
+            <a:r>
+              <a:rPr lang="es-MX" sz="1500" dirty="0"/>
+              <a:t>Derechos humanos</a:t>
+            </a:r>
+          </a:p>
+          <a:p>
+            <a:r>
+              <a:rPr lang="es-MX" sz="1500" dirty="0"/>
+              <a:t>Accidente de tránsito</a:t>
+            </a:r>
+          </a:p>
+          <a:p>
+            <a:endParaRPr lang="es-MX" sz="1500" dirty="0"/>
+          </a:p>
+          <a:p>
+            <a:endParaRPr lang="es-MX" dirty="0"/>
+          </a:p>
+        </p:txBody>
+      </p:sp>
+      <p:sp>
+        <p:nvSpPr>
+          <p:cNvPr id="5" name="Título 1">
+            <a:extLst>
+              <a:ext uri="{FF2B5EF4-FFF2-40B4-BE49-F238E27FC236}">
+                <a16:creationId xmlns:a16="http://schemas.microsoft.com/office/drawing/2014/main" id="{010F441E-1666-4C99-93AF-ACF116BCD45B}"/>
               </a:ext>
             </a:extLst>
           </p:cNvPr>
@@ -8048,6 +8115,7 @@
             </a:lvl1pPr>
           </a:lstStyle>
           <a:p>
+            <a:pPr algn="r"/>
             <a:r>
               <a:rPr lang="es-MX" b="1" dirty="0">
                 <a:solidFill>
@@ -8061,7 +8129,7 @@
                   </a:outerShdw>
                 </a:effectLst>
               </a:rPr>
-              <a:t>Variables medidas en la EIGH de interés particular</a:t>
+              <a:t>Variables a revisar</a:t>
             </a:r>
           </a:p>
         </p:txBody>
@@ -8069,7 +8137,7 @@
     </p:spTree>
     <p:extLst>
       <p:ext uri="{BB962C8B-B14F-4D97-AF65-F5344CB8AC3E}">
-        <p14:creationId xmlns:p14="http://schemas.microsoft.com/office/powerpoint/2010/main" val="918588063"/>
+        <p14:creationId xmlns:p14="http://schemas.microsoft.com/office/powerpoint/2010/main" val="615094481"/>
       </p:ext>
     </p:extLst>
   </p:cSld>
@@ -8142,48 +8210,223 @@
         </p:nvSpPr>
         <p:spPr>
           <a:xfrm>
-            <a:off x="370937" y="940279"/>
-            <a:ext cx="11662912" cy="5236684"/>
+            <a:off x="103517" y="1388853"/>
+            <a:ext cx="12025223" cy="5236684"/>
           </a:xfrm>
         </p:spPr>
         <p:txBody>
-          <a:bodyPr/>
-          <a:lstStyle/>
+          <a:bodyPr>
+            <a:normAutofit lnSpcReduction="10000"/>
+          </a:bodyPr>
+          <a:lstStyle/>
+          <a:p>
+            <a:r>
+              <a:rPr lang="es-MX" sz="1500" dirty="0"/>
+              <a:t>Victimización </a:t>
+            </a:r>
+            <a:r>
+              <a:rPr lang="es-MX" sz="1500" dirty="0">
+                <a:solidFill>
+                  <a:srgbClr val="00B050"/>
+                </a:solidFill>
+              </a:rPr>
+              <a:t>(Tasa de prevalencia delictiva por cada cien mil habitantes)</a:t>
+            </a:r>
+          </a:p>
+          <a:p>
+            <a:r>
+              <a:rPr lang="es-MX" sz="1500" dirty="0"/>
+              <a:t>Incidencia delictiva </a:t>
+            </a:r>
+            <a:r>
+              <a:rPr lang="es-MX" sz="1500" dirty="0">
+                <a:solidFill>
+                  <a:srgbClr val="00B050"/>
+                </a:solidFill>
+              </a:rPr>
+              <a:t>(Tasa de incidencia delictiva por entidad federativa de ocurrencia por cada cien mil habitantes)</a:t>
+            </a:r>
+          </a:p>
+          <a:p>
+            <a:r>
+              <a:rPr lang="es-MX" sz="1500" dirty="0"/>
+              <a:t>Delitos registrados </a:t>
+            </a:r>
+            <a:r>
+              <a:rPr lang="es-MX" sz="1500" dirty="0">
+                <a:solidFill>
+                  <a:srgbClr val="00B050"/>
+                </a:solidFill>
+              </a:rPr>
+              <a:t>(Presuntos delitos del fuero común y federal registrados en las intervenciones de la policía, por entidad federativa según nivel de gobierno)</a:t>
+            </a:r>
+          </a:p>
+          <a:p>
+            <a:r>
+              <a:rPr lang="es-MX" sz="1500" dirty="0"/>
+              <a:t>Victimas, inculpados y sentenciados </a:t>
+            </a:r>
+            <a:r>
+              <a:rPr lang="es-MX" sz="1500" dirty="0">
+                <a:solidFill>
+                  <a:srgbClr val="00B050"/>
+                </a:solidFill>
+              </a:rPr>
+              <a:t>(Inculpados registrados por delitos del fuero común, por autoridad estatal responsable del registro, según sexo)</a:t>
+            </a:r>
+          </a:p>
+          <a:p>
+            <a:r>
+              <a:rPr lang="es-MX" sz="1500" dirty="0"/>
+              <a:t>Intervención de la policía </a:t>
+            </a:r>
+            <a:r>
+              <a:rPr lang="es-MX" sz="1500" dirty="0">
+                <a:solidFill>
+                  <a:srgbClr val="00B050"/>
+                </a:solidFill>
+              </a:rPr>
+              <a:t>(Intervenciones de las policías estatales/municipales, por causa)</a:t>
+            </a:r>
+          </a:p>
+          <a:p>
+            <a:r>
+              <a:rPr lang="es-MX" sz="1500" dirty="0"/>
+              <a:t>Carpetas de investigación </a:t>
+            </a:r>
+            <a:r>
+              <a:rPr lang="es-MX" sz="1500" dirty="0">
+                <a:solidFill>
+                  <a:srgbClr val="00B050"/>
+                </a:solidFill>
+              </a:rPr>
+              <a:t>(Resolución de averiguaciones previas y carpetas de investigación)</a:t>
+            </a:r>
+          </a:p>
+          <a:p>
+            <a:r>
+              <a:rPr lang="es-MX" sz="1500" dirty="0"/>
+              <a:t>Expedientes y asuntos judiciales</a:t>
+            </a:r>
+            <a:r>
+              <a:rPr lang="es-MX" sz="1500" dirty="0">
+                <a:solidFill>
+                  <a:srgbClr val="00B050"/>
+                </a:solidFill>
+              </a:rPr>
+              <a:t> (Asuntos penales radicados en los órganos jurisdiccionales estatales en materia penal de primera instancia, por tipo de sistema según etapa)</a:t>
+            </a:r>
+          </a:p>
+          <a:p>
+            <a:r>
+              <a:rPr lang="es-MX" sz="1500" dirty="0"/>
+              <a:t>Población reclusa y adolescentes infractores</a:t>
+            </a:r>
+            <a:r>
+              <a:rPr lang="es-MX" sz="1500" dirty="0">
+                <a:solidFill>
+                  <a:srgbClr val="00B050"/>
+                </a:solidFill>
+              </a:rPr>
+              <a:t> (Población en los centros penitenciarios estatales por delitos del fuero común)</a:t>
+            </a:r>
+          </a:p>
+          <a:p>
+            <a:r>
+              <a:rPr lang="es-MX" sz="1500" dirty="0"/>
+              <a:t>RH en instituciones de seguridad pública y </a:t>
+            </a:r>
+            <a:r>
+              <a:rPr lang="es-MX" sz="1500"/>
+              <a:t>justicia</a:t>
+            </a:r>
+            <a:r>
+              <a:rPr lang="es-MX" sz="1500">
+                <a:solidFill>
+                  <a:srgbClr val="00B050"/>
+                </a:solidFill>
+              </a:rPr>
+              <a:t> </a:t>
+            </a:r>
+            <a:endParaRPr lang="es-MX" sz="1500" dirty="0"/>
+          </a:p>
+          <a:p>
+            <a:r>
+              <a:rPr lang="es-MX" sz="1500" dirty="0"/>
+              <a:t>Infraestructura de instituciones de seguridad pública y justicia</a:t>
+            </a:r>
+            <a:r>
+              <a:rPr lang="es-MX" sz="1500" dirty="0">
+                <a:solidFill>
+                  <a:srgbClr val="00B050"/>
+                </a:solidFill>
+              </a:rPr>
+              <a:t> (Órganos de seguridad y justicia estatales por cada cien mil habitantes, por entidad federativa)</a:t>
+            </a:r>
+          </a:p>
+          <a:p>
+            <a:r>
+              <a:rPr lang="es-MX" sz="1500" dirty="0"/>
+              <a:t>Percepción sobre seguridad pública</a:t>
+            </a:r>
+            <a:r>
+              <a:rPr lang="es-MX" sz="1500" dirty="0">
+                <a:solidFill>
+                  <a:srgbClr val="00B050"/>
+                </a:solidFill>
+              </a:rPr>
+              <a:t> (Distribución del porcentaje de la población de 18 años y más, por entidad federativa según percepción de la inseguridad en su entidad federativa, entre marzo y abril)</a:t>
+            </a:r>
+          </a:p>
+          <a:p>
+            <a:pPr fontAlgn="ctr"/>
+            <a:r>
+              <a:rPr lang="es-MX" sz="1500" dirty="0"/>
+              <a:t>Percepción sobre el desempeño de las autoridades de seguridad pública</a:t>
+            </a:r>
+            <a:r>
+              <a:rPr lang="es-MX" sz="1500" dirty="0">
+                <a:solidFill>
+                  <a:srgbClr val="00B050"/>
+                </a:solidFill>
+              </a:rPr>
+              <a:t> (Población de 18 años y más, por tipo de autoridad que identifica según nivel de efectividad que considera sobre su trabajo)</a:t>
+            </a:r>
+            <a:endParaRPr lang="es-MX" sz="1500" dirty="0"/>
+          </a:p>
+          <a:p>
+            <a:r>
+              <a:rPr lang="es-MX" sz="1500" dirty="0"/>
+              <a:t>Derechos humanos</a:t>
+            </a:r>
+            <a:r>
+              <a:rPr lang="es-MX" sz="1500" dirty="0">
+                <a:solidFill>
+                  <a:srgbClr val="00B050"/>
+                </a:solidFill>
+              </a:rPr>
+              <a:t> (Oficinas de derechos humanos por cada millón de habitantes, por entidad federativa 2013)</a:t>
+            </a:r>
+          </a:p>
+          <a:p>
+            <a:r>
+              <a:rPr lang="es-MX" sz="1500" dirty="0"/>
+              <a:t>Accidente de tránsito</a:t>
+            </a:r>
+            <a:r>
+              <a:rPr lang="es-MX" sz="1500" dirty="0">
+                <a:solidFill>
+                  <a:srgbClr val="00B050"/>
+                </a:solidFill>
+              </a:rPr>
+              <a:t> (Accidentes de tránsito terrestre)</a:t>
+            </a:r>
+          </a:p>
+          <a:p>
+            <a:endParaRPr lang="es-MX" sz="1500" dirty="0"/>
+          </a:p>
           <a:p>
             <a:endParaRPr lang="es-MX" dirty="0"/>
-          </a:p>
-          <a:p>
-            <a:r>
-              <a:rPr lang="es-MX" dirty="0"/>
-              <a:t>Encuesta Nacional de Victimización y Percepción sobre Seguridad Pública (ENVIPE) – Datos del 2019</a:t>
-            </a:r>
-          </a:p>
-          <a:p>
-            <a:endParaRPr lang="es-MX" dirty="0"/>
-          </a:p>
-          <a:p>
-            <a:r>
-              <a:rPr lang="es-MX" dirty="0"/>
-              <a:t>Censo Nacional de Impartición de Justicia Estatal – Datos del 2019</a:t>
-            </a:r>
-          </a:p>
-          <a:p>
-            <a:endParaRPr lang="es-MX" dirty="0"/>
-          </a:p>
-          <a:p>
-            <a:r>
-              <a:rPr lang="es-MX" dirty="0"/>
-              <a:t>Censo Nacional de Procuración de Justicia Estatal – Datos del 2019</a:t>
-            </a:r>
-          </a:p>
-          <a:p>
-            <a:endParaRPr lang="es-MX" dirty="0"/>
-          </a:p>
-          <a:p>
-            <a:r>
-              <a:rPr lang="es-MX" dirty="0"/>
-              <a:t>Censo Nacional de Gobierno, Seguridad Pública y Sistema Penitenciario Estatales – Datos del 2019</a:t>
-            </a:r>
           </a:p>
         </p:txBody>
       </p:sp>
@@ -8241,622 +8484,6 @@
             <a:r>
               <a:rPr lang="es-MX" b="1" dirty="0">
                 <a:solidFill>
-                  <a:schemeClr val="bg1"/>
-                </a:solidFill>
-                <a:effectLst>
-                  <a:outerShdw blurRad="38100" dist="38100" dir="2700000" algn="tl">
-                    <a:srgbClr val="000000">
-                      <a:alpha val="43137"/>
-                    </a:srgbClr>
-                  </a:outerShdw>
-                </a:effectLst>
-              </a:rPr>
-              <a:t>Otras fuentes</a:t>
-            </a:r>
-          </a:p>
-        </p:txBody>
-      </p:sp>
-    </p:spTree>
-    <p:extLst>
-      <p:ext uri="{BB962C8B-B14F-4D97-AF65-F5344CB8AC3E}">
-        <p14:creationId xmlns:p14="http://schemas.microsoft.com/office/powerpoint/2010/main" val="2137478969"/>
-      </p:ext>
-    </p:extLst>
-  </p:cSld>
-  <p:clrMapOvr>
-    <a:masterClrMapping/>
-  </p:clrMapOvr>
-</p:sld>
-</file>
-
-<file path=ppt/slides/slide23.xml><?xml version="1.0" encoding="utf-8"?>
-<p:sld xmlns:a="http://schemas.openxmlformats.org/drawingml/2006/main" xmlns:r="http://schemas.openxmlformats.org/officeDocument/2006/relationships" xmlns:p="http://schemas.openxmlformats.org/presentationml/2006/main">
-  <p:cSld>
-    <p:spTree>
-      <p:nvGrpSpPr>
-        <p:cNvPr id="1" name=""/>
-        <p:cNvGrpSpPr/>
-        <p:nvPr/>
-      </p:nvGrpSpPr>
-      <p:grpSpPr>
-        <a:xfrm>
-          <a:off x="0" y="0"/>
-          <a:ext cx="0" cy="0"/>
-          <a:chOff x="0" y="0"/>
-          <a:chExt cx="0" cy="0"/>
-        </a:xfrm>
-      </p:grpSpPr>
-      <p:sp>
-        <p:nvSpPr>
-          <p:cNvPr id="2" name="Título 1">
-            <a:extLst>
-              <a:ext uri="{FF2B5EF4-FFF2-40B4-BE49-F238E27FC236}">
-                <a16:creationId xmlns:a16="http://schemas.microsoft.com/office/drawing/2014/main" id="{3BB37683-9155-4477-B1D7-A0DBB900F6AB}"/>
-              </a:ext>
-            </a:extLst>
-          </p:cNvPr>
-          <p:cNvSpPr>
-            <a:spLocks noGrp="1"/>
-          </p:cNvSpPr>
-          <p:nvPr>
-            <p:ph type="title"/>
-          </p:nvPr>
-        </p:nvSpPr>
-        <p:spPr/>
-        <p:txBody>
-          <a:bodyPr/>
-          <a:lstStyle/>
-          <a:p>
-            <a:br>
-              <a:rPr lang="es-MX" dirty="0"/>
-            </a:br>
-            <a:endParaRPr lang="es-MX" dirty="0"/>
-          </a:p>
-        </p:txBody>
-      </p:sp>
-      <p:sp>
-        <p:nvSpPr>
-          <p:cNvPr id="3" name="Marcador de contenido 2">
-            <a:extLst>
-              <a:ext uri="{FF2B5EF4-FFF2-40B4-BE49-F238E27FC236}">
-                <a16:creationId xmlns:a16="http://schemas.microsoft.com/office/drawing/2014/main" id="{72C9442E-D9EB-424A-8862-529CF4B4DB52}"/>
-              </a:ext>
-            </a:extLst>
-          </p:cNvPr>
-          <p:cNvSpPr>
-            <a:spLocks noGrp="1"/>
-          </p:cNvSpPr>
-          <p:nvPr>
-            <p:ph idx="1"/>
-          </p:nvPr>
-        </p:nvSpPr>
-        <p:spPr>
-          <a:xfrm>
-            <a:off x="181156" y="1388853"/>
-            <a:ext cx="11662912" cy="5236684"/>
-          </a:xfrm>
-        </p:spPr>
-        <p:txBody>
-          <a:bodyPr>
-            <a:normAutofit/>
-          </a:bodyPr>
-          <a:lstStyle/>
-          <a:p>
-            <a:r>
-              <a:rPr lang="es-MX" sz="1500" dirty="0"/>
-              <a:t>Victimización</a:t>
-            </a:r>
-          </a:p>
-          <a:p>
-            <a:r>
-              <a:rPr lang="es-MX" sz="1500" dirty="0"/>
-              <a:t>Incidencia delictiva</a:t>
-            </a:r>
-          </a:p>
-          <a:p>
-            <a:r>
-              <a:rPr lang="es-MX" sz="1500" dirty="0"/>
-              <a:t>Delitos registrados</a:t>
-            </a:r>
-          </a:p>
-          <a:p>
-            <a:r>
-              <a:rPr lang="es-MX" sz="1500" dirty="0"/>
-              <a:t>Victimas, inculpados y sentenciados</a:t>
-            </a:r>
-          </a:p>
-          <a:p>
-            <a:r>
-              <a:rPr lang="es-MX" sz="1500" dirty="0"/>
-              <a:t>Intervención de la policía</a:t>
-            </a:r>
-          </a:p>
-          <a:p>
-            <a:r>
-              <a:rPr lang="es-MX" sz="1500" dirty="0"/>
-              <a:t>Carpetas de investigación</a:t>
-            </a:r>
-          </a:p>
-          <a:p>
-            <a:r>
-              <a:rPr lang="es-MX" sz="1500" dirty="0"/>
-              <a:t>Expedientes y asuntos judiciales</a:t>
-            </a:r>
-          </a:p>
-          <a:p>
-            <a:r>
-              <a:rPr lang="es-MX" sz="1500" dirty="0"/>
-              <a:t>Población reclusa y adolescentes infractores</a:t>
-            </a:r>
-          </a:p>
-          <a:p>
-            <a:r>
-              <a:rPr lang="es-MX" sz="1500" dirty="0"/>
-              <a:t>RH en instituciones de seguridad pública y justicia</a:t>
-            </a:r>
-          </a:p>
-          <a:p>
-            <a:r>
-              <a:rPr lang="es-MX" sz="1500" dirty="0"/>
-              <a:t>Infraestructura de instituciones de seguridad pública y justicia</a:t>
-            </a:r>
-          </a:p>
-          <a:p>
-            <a:r>
-              <a:rPr lang="es-MX" sz="1500" dirty="0"/>
-              <a:t>Percepción sobre seguridad pública</a:t>
-            </a:r>
-          </a:p>
-          <a:p>
-            <a:r>
-              <a:rPr lang="es-MX" sz="1500" dirty="0"/>
-              <a:t>Percepción sobre el desempeño de las autoridades de seguridad pública</a:t>
-            </a:r>
-          </a:p>
-          <a:p>
-            <a:r>
-              <a:rPr lang="es-MX" sz="1500" dirty="0"/>
-              <a:t>Derechos humanos</a:t>
-            </a:r>
-          </a:p>
-          <a:p>
-            <a:r>
-              <a:rPr lang="es-MX" sz="1500" dirty="0"/>
-              <a:t>Accidente de tránsito</a:t>
-            </a:r>
-          </a:p>
-          <a:p>
-            <a:endParaRPr lang="es-MX" sz="1500" dirty="0"/>
-          </a:p>
-          <a:p>
-            <a:endParaRPr lang="es-MX" dirty="0"/>
-          </a:p>
-        </p:txBody>
-      </p:sp>
-      <p:sp>
-        <p:nvSpPr>
-          <p:cNvPr id="5" name="Título 1">
-            <a:extLst>
-              <a:ext uri="{FF2B5EF4-FFF2-40B4-BE49-F238E27FC236}">
-                <a16:creationId xmlns:a16="http://schemas.microsoft.com/office/drawing/2014/main" id="{010F441E-1666-4C99-93AF-ACF116BCD45B}"/>
-              </a:ext>
-            </a:extLst>
-          </p:cNvPr>
-          <p:cNvSpPr txBox="1">
-            <a:spLocks/>
-          </p:cNvSpPr>
-          <p:nvPr/>
-        </p:nvSpPr>
-        <p:spPr>
-          <a:xfrm>
-            <a:off x="0" y="-38099"/>
-            <a:ext cx="12192000" cy="871268"/>
-          </a:xfrm>
-          <a:prstGeom prst="rect">
-            <a:avLst/>
-          </a:prstGeom>
-          <a:solidFill>
-            <a:schemeClr val="tx1"/>
-          </a:solidFill>
-        </p:spPr>
-        <p:txBody>
-          <a:bodyPr vert="horz" lIns="91440" tIns="45720" rIns="91440" bIns="45720" rtlCol="0" anchor="ctr">
-            <a:normAutofit/>
-          </a:bodyPr>
-          <a:lstStyle>
-            <a:lvl1pPr algn="l" defTabSz="914400" rtl="0" eaLnBrk="1" latinLnBrk="0" hangingPunct="1">
-              <a:lnSpc>
-                <a:spcPct val="90000"/>
-              </a:lnSpc>
-              <a:spcBef>
-                <a:spcPct val="0"/>
-              </a:spcBef>
-              <a:buNone/>
-              <a:defRPr sz="4400" kern="1200">
-                <a:solidFill>
-                  <a:schemeClr val="tx1"/>
-                </a:solidFill>
-                <a:latin typeface="+mj-lt"/>
-                <a:ea typeface="+mj-ea"/>
-                <a:cs typeface="+mj-cs"/>
-              </a:defRPr>
-            </a:lvl1pPr>
-          </a:lstStyle>
-          <a:p>
-            <a:pPr algn="r"/>
-            <a:r>
-              <a:rPr lang="es-MX" b="1" dirty="0">
-                <a:solidFill>
-                  <a:schemeClr val="bg1"/>
-                </a:solidFill>
-                <a:effectLst>
-                  <a:outerShdw blurRad="38100" dist="38100" dir="2700000" algn="tl">
-                    <a:srgbClr val="000000">
-                      <a:alpha val="43137"/>
-                    </a:srgbClr>
-                  </a:outerShdw>
-                </a:effectLst>
-              </a:rPr>
-              <a:t>Variables a revisar</a:t>
-            </a:r>
-          </a:p>
-        </p:txBody>
-      </p:sp>
-    </p:spTree>
-    <p:extLst>
-      <p:ext uri="{BB962C8B-B14F-4D97-AF65-F5344CB8AC3E}">
-        <p14:creationId xmlns:p14="http://schemas.microsoft.com/office/powerpoint/2010/main" val="615094481"/>
-      </p:ext>
-    </p:extLst>
-  </p:cSld>
-  <p:clrMapOvr>
-    <a:masterClrMapping/>
-  </p:clrMapOvr>
-</p:sld>
-</file>
-
-<file path=ppt/slides/slide24.xml><?xml version="1.0" encoding="utf-8"?>
-<p:sld xmlns:a="http://schemas.openxmlformats.org/drawingml/2006/main" xmlns:r="http://schemas.openxmlformats.org/officeDocument/2006/relationships" xmlns:p="http://schemas.openxmlformats.org/presentationml/2006/main">
-  <p:cSld>
-    <p:spTree>
-      <p:nvGrpSpPr>
-        <p:cNvPr id="1" name=""/>
-        <p:cNvGrpSpPr/>
-        <p:nvPr/>
-      </p:nvGrpSpPr>
-      <p:grpSpPr>
-        <a:xfrm>
-          <a:off x="0" y="0"/>
-          <a:ext cx="0" cy="0"/>
-          <a:chOff x="0" y="0"/>
-          <a:chExt cx="0" cy="0"/>
-        </a:xfrm>
-      </p:grpSpPr>
-      <p:sp>
-        <p:nvSpPr>
-          <p:cNvPr id="2" name="Título 1">
-            <a:extLst>
-              <a:ext uri="{FF2B5EF4-FFF2-40B4-BE49-F238E27FC236}">
-                <a16:creationId xmlns:a16="http://schemas.microsoft.com/office/drawing/2014/main" id="{3BB37683-9155-4477-B1D7-A0DBB900F6AB}"/>
-              </a:ext>
-            </a:extLst>
-          </p:cNvPr>
-          <p:cNvSpPr>
-            <a:spLocks noGrp="1"/>
-          </p:cNvSpPr>
-          <p:nvPr>
-            <p:ph type="title"/>
-          </p:nvPr>
-        </p:nvSpPr>
-        <p:spPr/>
-        <p:txBody>
-          <a:bodyPr/>
-          <a:lstStyle/>
-          <a:p>
-            <a:br>
-              <a:rPr lang="es-MX" dirty="0"/>
-            </a:br>
-            <a:endParaRPr lang="es-MX" dirty="0"/>
-          </a:p>
-        </p:txBody>
-      </p:sp>
-      <p:sp>
-        <p:nvSpPr>
-          <p:cNvPr id="3" name="Marcador de contenido 2">
-            <a:extLst>
-              <a:ext uri="{FF2B5EF4-FFF2-40B4-BE49-F238E27FC236}">
-                <a16:creationId xmlns:a16="http://schemas.microsoft.com/office/drawing/2014/main" id="{72C9442E-D9EB-424A-8862-529CF4B4DB52}"/>
-              </a:ext>
-            </a:extLst>
-          </p:cNvPr>
-          <p:cNvSpPr>
-            <a:spLocks noGrp="1"/>
-          </p:cNvSpPr>
-          <p:nvPr>
-            <p:ph idx="1"/>
-          </p:nvPr>
-        </p:nvSpPr>
-        <p:spPr>
-          <a:xfrm>
-            <a:off x="181156" y="1388853"/>
-            <a:ext cx="11662912" cy="5236684"/>
-          </a:xfrm>
-        </p:spPr>
-        <p:txBody>
-          <a:bodyPr>
-            <a:normAutofit/>
-          </a:bodyPr>
-          <a:lstStyle/>
-          <a:p>
-            <a:r>
-              <a:rPr lang="es-MX" sz="1500" dirty="0"/>
-              <a:t>Victimización </a:t>
-            </a:r>
-            <a:r>
-              <a:rPr lang="es-MX" sz="1500" dirty="0">
-                <a:solidFill>
-                  <a:srgbClr val="00B050"/>
-                </a:solidFill>
-              </a:rPr>
-              <a:t>(Tasa de prevalencia delictiva por cada cien mil habitantes)</a:t>
-            </a:r>
-          </a:p>
-          <a:p>
-            <a:r>
-              <a:rPr lang="es-MX" sz="1500" dirty="0"/>
-              <a:t>Incidencia delictiva </a:t>
-            </a:r>
-            <a:r>
-              <a:rPr lang="es-MX" sz="1500" dirty="0">
-                <a:solidFill>
-                  <a:srgbClr val="00B050"/>
-                </a:solidFill>
-              </a:rPr>
-              <a:t>(Tasa de incidencia delictiva por entidad federativa de ocurrencia por cada cien mil habitantes)</a:t>
-            </a:r>
-          </a:p>
-          <a:p>
-            <a:r>
-              <a:rPr lang="es-MX" sz="1500" dirty="0"/>
-              <a:t>Delitos registrados </a:t>
-            </a:r>
-            <a:r>
-              <a:rPr lang="es-MX" sz="1500" dirty="0">
-                <a:solidFill>
-                  <a:srgbClr val="00B050"/>
-                </a:solidFill>
-              </a:rPr>
-              <a:t>(</a:t>
-            </a:r>
-            <a:endParaRPr lang="es-MX" sz="1500" dirty="0"/>
-          </a:p>
-          <a:p>
-            <a:r>
-              <a:rPr lang="es-MX" sz="1500" dirty="0"/>
-              <a:t>Victimas, inculpados y sentenciados </a:t>
-            </a:r>
-            <a:r>
-              <a:rPr lang="es-MX" sz="1500" dirty="0">
-                <a:solidFill>
-                  <a:srgbClr val="00B050"/>
-                </a:solidFill>
-              </a:rPr>
-              <a:t>(</a:t>
-            </a:r>
-            <a:endParaRPr lang="es-MX" sz="1500" dirty="0"/>
-          </a:p>
-          <a:p>
-            <a:r>
-              <a:rPr lang="es-MX" sz="1500" dirty="0"/>
-              <a:t>Intervención de la policía </a:t>
-            </a:r>
-            <a:r>
-              <a:rPr lang="es-MX" sz="1500" dirty="0">
-                <a:solidFill>
-                  <a:srgbClr val="00B050"/>
-                </a:solidFill>
-              </a:rPr>
-              <a:t>(</a:t>
-            </a:r>
-            <a:endParaRPr lang="es-MX" sz="1500" dirty="0"/>
-          </a:p>
-          <a:p>
-            <a:r>
-              <a:rPr lang="es-MX" sz="1500" dirty="0"/>
-              <a:t>Carpetas de investigación </a:t>
-            </a:r>
-            <a:r>
-              <a:rPr lang="es-MX" sz="1500" dirty="0">
-                <a:solidFill>
-                  <a:srgbClr val="00B050"/>
-                </a:solidFill>
-              </a:rPr>
-              <a:t>(</a:t>
-            </a:r>
-            <a:endParaRPr lang="es-MX" sz="1500" dirty="0"/>
-          </a:p>
-          <a:p>
-            <a:r>
-              <a:rPr lang="es-MX" sz="1500" dirty="0"/>
-              <a:t>Expedientes y asuntos judiciales</a:t>
-            </a:r>
-            <a:r>
-              <a:rPr lang="es-MX" sz="1500" dirty="0">
-                <a:solidFill>
-                  <a:srgbClr val="00B050"/>
-                </a:solidFill>
-              </a:rPr>
-              <a:t> (</a:t>
-            </a:r>
-            <a:endParaRPr lang="es-MX" sz="1500" dirty="0"/>
-          </a:p>
-          <a:p>
-            <a:r>
-              <a:rPr lang="es-MX" sz="1500" dirty="0"/>
-              <a:t>Población reclusa y adolescentes infractores</a:t>
-            </a:r>
-            <a:r>
-              <a:rPr lang="es-MX" sz="1500" dirty="0">
-                <a:solidFill>
-                  <a:srgbClr val="00B050"/>
-                </a:solidFill>
-              </a:rPr>
-              <a:t> (</a:t>
-            </a:r>
-            <a:endParaRPr lang="es-MX" sz="1500" dirty="0"/>
-          </a:p>
-          <a:p>
-            <a:r>
-              <a:rPr lang="es-MX" sz="1500" dirty="0"/>
-              <a:t>RH en instituciones de seguridad pública y justicia</a:t>
-            </a:r>
-            <a:r>
-              <a:rPr lang="es-MX" sz="1500" dirty="0">
-                <a:solidFill>
-                  <a:srgbClr val="00B050"/>
-                </a:solidFill>
-              </a:rPr>
-              <a:t> (</a:t>
-            </a:r>
-            <a:endParaRPr lang="es-MX" sz="1500" dirty="0"/>
-          </a:p>
-          <a:p>
-            <a:r>
-              <a:rPr lang="es-MX" sz="1500" dirty="0"/>
-              <a:t>Infraestructura de instituciones de seguridad pública y justicia</a:t>
-            </a:r>
-            <a:r>
-              <a:rPr lang="es-MX" sz="1500" dirty="0">
-                <a:solidFill>
-                  <a:srgbClr val="00B050"/>
-                </a:solidFill>
-              </a:rPr>
-              <a:t> (</a:t>
-            </a:r>
-            <a:endParaRPr lang="es-MX" sz="1500" dirty="0"/>
-          </a:p>
-          <a:p>
-            <a:r>
-              <a:rPr lang="es-MX" sz="1500" dirty="0"/>
-              <a:t>Percepción sobre seguridad pública</a:t>
-            </a:r>
-            <a:r>
-              <a:rPr lang="es-MX" sz="1500" dirty="0">
-                <a:solidFill>
-                  <a:srgbClr val="00B050"/>
-                </a:solidFill>
-              </a:rPr>
-              <a:t> (</a:t>
-            </a:r>
-            <a:endParaRPr lang="es-MX" sz="1500" dirty="0"/>
-          </a:p>
-          <a:p>
-            <a:r>
-              <a:rPr lang="es-MX" sz="1500" dirty="0"/>
-              <a:t>Percepción sobre el desempeño de las autoridades de seguridad pública</a:t>
-            </a:r>
-            <a:r>
-              <a:rPr lang="es-MX" sz="1500" dirty="0">
-                <a:solidFill>
-                  <a:srgbClr val="00B050"/>
-                </a:solidFill>
-              </a:rPr>
-              <a:t> (</a:t>
-            </a:r>
-            <a:endParaRPr lang="es-MX" sz="1500" dirty="0"/>
-          </a:p>
-          <a:p>
-            <a:r>
-              <a:rPr lang="es-MX" sz="1500" dirty="0"/>
-              <a:t>Derechos humanos</a:t>
-            </a:r>
-            <a:r>
-              <a:rPr lang="es-MX" sz="1500" dirty="0">
-                <a:solidFill>
-                  <a:srgbClr val="00B050"/>
-                </a:solidFill>
-              </a:rPr>
-              <a:t> (</a:t>
-            </a:r>
-            <a:endParaRPr lang="es-MX" sz="1500" dirty="0"/>
-          </a:p>
-          <a:p>
-            <a:r>
-              <a:rPr lang="es-MX" sz="1500" dirty="0"/>
-              <a:t>Accidente de tránsito</a:t>
-            </a:r>
-            <a:r>
-              <a:rPr lang="es-MX" sz="1500" dirty="0">
-                <a:solidFill>
-                  <a:srgbClr val="00B050"/>
-                </a:solidFill>
-              </a:rPr>
-              <a:t> (</a:t>
-            </a:r>
-            <a:endParaRPr lang="es-MX" sz="1500" dirty="0"/>
-          </a:p>
-          <a:p>
-            <a:endParaRPr lang="es-MX" sz="1500" dirty="0"/>
-          </a:p>
-          <a:p>
-            <a:endParaRPr lang="es-MX" dirty="0"/>
-          </a:p>
-        </p:txBody>
-      </p:sp>
-      <p:sp>
-        <p:nvSpPr>
-          <p:cNvPr id="5" name="Título 1">
-            <a:extLst>
-              <a:ext uri="{FF2B5EF4-FFF2-40B4-BE49-F238E27FC236}">
-                <a16:creationId xmlns:a16="http://schemas.microsoft.com/office/drawing/2014/main" id="{010F441E-1666-4C99-93AF-ACF116BCD45B}"/>
-              </a:ext>
-            </a:extLst>
-          </p:cNvPr>
-          <p:cNvSpPr txBox="1">
-            <a:spLocks/>
-          </p:cNvSpPr>
-          <p:nvPr/>
-        </p:nvSpPr>
-        <p:spPr>
-          <a:xfrm>
-            <a:off x="0" y="-38099"/>
-            <a:ext cx="12192000" cy="871268"/>
-          </a:xfrm>
-          <a:prstGeom prst="rect">
-            <a:avLst/>
-          </a:prstGeom>
-          <a:solidFill>
-            <a:schemeClr val="tx1"/>
-          </a:solidFill>
-        </p:spPr>
-        <p:txBody>
-          <a:bodyPr vert="horz" lIns="91440" tIns="45720" rIns="91440" bIns="45720" rtlCol="0" anchor="ctr">
-            <a:normAutofit/>
-          </a:bodyPr>
-          <a:lstStyle>
-            <a:lvl1pPr algn="l" defTabSz="914400" rtl="0" eaLnBrk="1" latinLnBrk="0" hangingPunct="1">
-              <a:lnSpc>
-                <a:spcPct val="90000"/>
-              </a:lnSpc>
-              <a:spcBef>
-                <a:spcPct val="0"/>
-              </a:spcBef>
-              <a:buNone/>
-              <a:defRPr sz="4400" kern="1200">
-                <a:solidFill>
-                  <a:schemeClr val="tx1"/>
-                </a:solidFill>
-                <a:latin typeface="+mj-lt"/>
-                <a:ea typeface="+mj-ea"/>
-                <a:cs typeface="+mj-cs"/>
-              </a:defRPr>
-            </a:lvl1pPr>
-          </a:lstStyle>
-          <a:p>
-            <a:pPr algn="r"/>
-            <a:r>
-              <a:rPr lang="es-MX" b="1" dirty="0">
-                <a:solidFill>
                   <a:srgbClr val="92D050"/>
                 </a:solidFill>
                 <a:effectLst>
@@ -8876,184 +8503,6 @@
     <p:extLst>
       <p:ext uri="{BB962C8B-B14F-4D97-AF65-F5344CB8AC3E}">
         <p14:creationId xmlns:p14="http://schemas.microsoft.com/office/powerpoint/2010/main" val="2374220575"/>
-      </p:ext>
-    </p:extLst>
-  </p:cSld>
-  <p:clrMapOvr>
-    <a:masterClrMapping/>
-  </p:clrMapOvr>
-</p:sld>
-</file>
-
-<file path=ppt/slides/slide25.xml><?xml version="1.0" encoding="utf-8"?>
-<p:sld xmlns:a="http://schemas.openxmlformats.org/drawingml/2006/main" xmlns:r="http://schemas.openxmlformats.org/officeDocument/2006/relationships" xmlns:p="http://schemas.openxmlformats.org/presentationml/2006/main">
-  <p:cSld>
-    <p:spTree>
-      <p:nvGrpSpPr>
-        <p:cNvPr id="1" name=""/>
-        <p:cNvGrpSpPr/>
-        <p:nvPr/>
-      </p:nvGrpSpPr>
-      <p:grpSpPr>
-        <a:xfrm>
-          <a:off x="0" y="0"/>
-          <a:ext cx="0" cy="0"/>
-          <a:chOff x="0" y="0"/>
-          <a:chExt cx="0" cy="0"/>
-        </a:xfrm>
-      </p:grpSpPr>
-      <p:sp>
-        <p:nvSpPr>
-          <p:cNvPr id="2" name="Título 1">
-            <a:extLst>
-              <a:ext uri="{FF2B5EF4-FFF2-40B4-BE49-F238E27FC236}">
-                <a16:creationId xmlns:a16="http://schemas.microsoft.com/office/drawing/2014/main" id="{A8ED826C-5E18-4864-88FB-C665A6F398F4}"/>
-              </a:ext>
-            </a:extLst>
-          </p:cNvPr>
-          <p:cNvSpPr>
-            <a:spLocks noGrp="1"/>
-          </p:cNvSpPr>
-          <p:nvPr>
-            <p:ph type="title"/>
-          </p:nvPr>
-        </p:nvSpPr>
-        <p:spPr/>
-        <p:txBody>
-          <a:bodyPr/>
-          <a:lstStyle/>
-          <a:p>
-            <a:r>
-              <a:rPr lang="es-MX" b="1" dirty="0"/>
-              <a:t>Otros indicadores recuperados por el INEGI</a:t>
-            </a:r>
-          </a:p>
-        </p:txBody>
-      </p:sp>
-      <p:sp>
-        <p:nvSpPr>
-          <p:cNvPr id="3" name="Marcador de contenido 2">
-            <a:extLst>
-              <a:ext uri="{FF2B5EF4-FFF2-40B4-BE49-F238E27FC236}">
-                <a16:creationId xmlns:a16="http://schemas.microsoft.com/office/drawing/2014/main" id="{165DB445-9D40-49A1-BC8F-8AEE0B025098}"/>
-              </a:ext>
-            </a:extLst>
-          </p:cNvPr>
-          <p:cNvSpPr>
-            <a:spLocks noGrp="1"/>
-          </p:cNvSpPr>
-          <p:nvPr>
-            <p:ph idx="1"/>
-          </p:nvPr>
-        </p:nvSpPr>
-        <p:spPr/>
-        <p:txBody>
-          <a:bodyPr/>
-          <a:lstStyle/>
-          <a:p>
-            <a:r>
-              <a:rPr lang="es-MX" dirty="0"/>
-              <a:t>Tasa de prevalencia delictiva por cada cien mil habitantes</a:t>
-            </a:r>
-          </a:p>
-          <a:p>
-            <a:r>
-              <a:rPr lang="es-MX" dirty="0"/>
-              <a:t>Tasa de incidencia delictiva por entidad federativa de ocurrencia por cada cien mil habitantes</a:t>
-            </a:r>
-          </a:p>
-        </p:txBody>
-      </p:sp>
-    </p:spTree>
-    <p:extLst>
-      <p:ext uri="{BB962C8B-B14F-4D97-AF65-F5344CB8AC3E}">
-        <p14:creationId xmlns:p14="http://schemas.microsoft.com/office/powerpoint/2010/main" val="4208454248"/>
-      </p:ext>
-    </p:extLst>
-  </p:cSld>
-  <p:clrMapOvr>
-    <a:masterClrMapping/>
-  </p:clrMapOvr>
-</p:sld>
-</file>
-
-<file path=ppt/slides/slide26.xml><?xml version="1.0" encoding="utf-8"?>
-<p:sld xmlns:a="http://schemas.openxmlformats.org/drawingml/2006/main" xmlns:r="http://schemas.openxmlformats.org/officeDocument/2006/relationships" xmlns:p="http://schemas.openxmlformats.org/presentationml/2006/main">
-  <p:cSld>
-    <p:spTree>
-      <p:nvGrpSpPr>
-        <p:cNvPr id="1" name=""/>
-        <p:cNvGrpSpPr/>
-        <p:nvPr/>
-      </p:nvGrpSpPr>
-      <p:grpSpPr>
-        <a:xfrm>
-          <a:off x="0" y="0"/>
-          <a:ext cx="0" cy="0"/>
-          <a:chOff x="0" y="0"/>
-          <a:chExt cx="0" cy="0"/>
-        </a:xfrm>
-      </p:grpSpPr>
-      <p:sp>
-        <p:nvSpPr>
-          <p:cNvPr id="2" name="Título 1">
-            <a:extLst>
-              <a:ext uri="{FF2B5EF4-FFF2-40B4-BE49-F238E27FC236}">
-                <a16:creationId xmlns:a16="http://schemas.microsoft.com/office/drawing/2014/main" id="{F4A4CB55-EACA-43CF-99AB-927ABB1545B3}"/>
-              </a:ext>
-            </a:extLst>
-          </p:cNvPr>
-          <p:cNvSpPr>
-            <a:spLocks noGrp="1"/>
-          </p:cNvSpPr>
-          <p:nvPr>
-            <p:ph type="title"/>
-          </p:nvPr>
-        </p:nvSpPr>
-        <p:spPr/>
-        <p:txBody>
-          <a:bodyPr/>
-          <a:lstStyle/>
-          <a:p>
-            <a:endParaRPr lang="es-MX" dirty="0"/>
-          </a:p>
-        </p:txBody>
-      </p:sp>
-      <p:sp>
-        <p:nvSpPr>
-          <p:cNvPr id="3" name="Marcador de contenido 2">
-            <a:extLst>
-              <a:ext uri="{FF2B5EF4-FFF2-40B4-BE49-F238E27FC236}">
-                <a16:creationId xmlns:a16="http://schemas.microsoft.com/office/drawing/2014/main" id="{A40718F3-78CA-48B1-8B49-3962BA82811D}"/>
-              </a:ext>
-            </a:extLst>
-          </p:cNvPr>
-          <p:cNvSpPr>
-            <a:spLocks noGrp="1"/>
-          </p:cNvSpPr>
-          <p:nvPr>
-            <p:ph idx="1"/>
-          </p:nvPr>
-        </p:nvSpPr>
-        <p:spPr/>
-        <p:txBody>
-          <a:bodyPr/>
-          <a:lstStyle/>
-          <a:p>
-            <a:pPr marL="0" indent="0">
-              <a:buNone/>
-            </a:pPr>
-            <a:r>
-              <a:rPr lang="es-MX" dirty="0"/>
-              <a:t>Enunciar encuestas de otras fuentes de información</a:t>
-            </a:r>
-          </a:p>
-        </p:txBody>
-      </p:sp>
-    </p:spTree>
-    <p:extLst>
-      <p:ext uri="{BB962C8B-B14F-4D97-AF65-F5344CB8AC3E}">
-        <p14:creationId xmlns:p14="http://schemas.microsoft.com/office/powerpoint/2010/main" val="409315667"/>
       </p:ext>
     </p:extLst>
   </p:cSld>
